--- a/TALLER-DE-REDACCION-EJECUTIVA_ESAN/MAPFRE S 1 y 2 Redacción Eficaz.pptx
+++ b/TALLER-DE-REDACCION-EJECUTIVA_ESAN/MAPFRE S 1 y 2 Redacción Eficaz.pptx
@@ -3962,6 +3962,116 @@
 </p:notes>
 </file>
 
+<file path=ppt/notesSlides/notesSlide10.xml><?xml version="1.0" encoding="utf-8"?>
+<p:notes xmlns:a="http://schemas.openxmlformats.org/drawingml/2006/main" xmlns:r="http://schemas.openxmlformats.org/officeDocument/2006/relationships" xmlns:p="http://schemas.openxmlformats.org/presentationml/2006/main">
+  <p:cSld>
+    <p:spTree>
+      <p:nvGrpSpPr>
+        <p:cNvPr id="1" name=""/>
+        <p:cNvGrpSpPr/>
+        <p:nvPr/>
+      </p:nvGrpSpPr>
+      <p:grpSpPr>
+        <a:xfrm>
+          <a:off x="0" y="0"/>
+          <a:ext cx="0" cy="0"/>
+          <a:chOff x="0" y="0"/>
+          <a:chExt cx="0" cy="0"/>
+        </a:xfrm>
+      </p:grpSpPr>
+      <p:sp>
+        <p:nvSpPr>
+          <p:cNvPr id="50178" name="Marcador de imagen de diapositiva 1"/>
+          <p:cNvSpPr>
+            <a:spLocks noGrp="1" noRot="1" noChangeAspect="1" noTextEdit="1"/>
+          </p:cNvSpPr>
+          <p:nvPr>
+            <p:ph type="sldImg"/>
+          </p:nvPr>
+        </p:nvSpPr>
+        <p:spPr bwMode="auto">
+          <a:noFill/>
+          <a:ln>
+            <a:solidFill>
+              <a:srgbClr val="000000"/>
+            </a:solidFill>
+            <a:miter lim="800000"/>
+            <a:headEnd/>
+            <a:tailEnd/>
+          </a:ln>
+          <a:extLst>
+            <a:ext uri="{909E8E84-426E-40DD-AFC4-6F175D3DCCD1}">
+              <a14:hiddenFill xmlns:a14="http://schemas.microsoft.com/office/drawing/2010/main">
+                <a:solidFill>
+                  <a:srgbClr val="FFFFFF"/>
+                </a:solidFill>
+              </a14:hiddenFill>
+            </a:ext>
+          </a:extLst>
+        </p:spPr>
+      </p:sp>
+      <p:sp>
+        <p:nvSpPr>
+          <p:cNvPr id="50179" name="Marcador de notas 2"/>
+          <p:cNvSpPr>
+            <a:spLocks noGrp="1"/>
+          </p:cNvSpPr>
+          <p:nvPr>
+            <p:ph type="body" idx="1"/>
+          </p:nvPr>
+        </p:nvSpPr>
+        <p:spPr bwMode="auto">
+          <a:noFill/>
+          <a:extLst>
+            <a:ext uri="{909E8E84-426E-40DD-AFC4-6F175D3DCCD1}">
+              <a14:hiddenFill xmlns:a14="http://schemas.microsoft.com/office/drawing/2010/main">
+                <a:solidFill>
+                  <a:srgbClr val="FFFFFF"/>
+                </a:solidFill>
+              </a14:hiddenFill>
+            </a:ext>
+            <a:ext uri="{91240B29-F687-4F45-9708-019B960494DF}">
+              <a14:hiddenLine xmlns:a14="http://schemas.microsoft.com/office/drawing/2010/main" w="9525">
+                <a:solidFill>
+                  <a:srgbClr val="000000"/>
+                </a:solidFill>
+                <a:miter lim="800000"/>
+                <a:headEnd/>
+                <a:tailEnd/>
+              </a14:hiddenLine>
+            </a:ext>
+          </a:extLst>
+        </p:spPr>
+        <p:txBody>
+          <a:bodyPr wrap="square" numCol="1" anchor="t" anchorCtr="0" compatLnSpc="1">
+            <a:prstTxWarp prst="textNoShape">
+              <a:avLst/>
+            </a:prstTxWarp>
+          </a:bodyPr>
+          <a:lstStyle/>
+          <a:p>
+            <a:pPr eaLnBrk="1" hangingPunct="1">
+              <a:spcBef>
+                <a:spcPct val="0"/>
+              </a:spcBef>
+            </a:pPr>
+            <a:endParaRPr lang="es-PE"/>
+          </a:p>
+        </p:txBody>
+      </p:sp>
+    </p:spTree>
+    <p:extLst>
+      <p:ext uri="{BB962C8B-B14F-4D97-AF65-F5344CB8AC3E}">
+        <p14:creationId xmlns:p14="http://schemas.microsoft.com/office/powerpoint/2010/main" val="4089714215"/>
+      </p:ext>
+    </p:extLst>
+  </p:cSld>
+  <p:clrMapOvr>
+    <a:masterClrMapping/>
+  </p:clrMapOvr>
+</p:notes>
+</file>
+
 <file path=ppt/notesSlides/notesSlide2.xml><?xml version="1.0" encoding="utf-8"?>
 <p:notes xmlns:a="http://schemas.openxmlformats.org/drawingml/2006/main" xmlns:r="http://schemas.openxmlformats.org/officeDocument/2006/relationships" xmlns:p="http://schemas.openxmlformats.org/presentationml/2006/main">
   <p:cSld>
@@ -4316,7 +4426,7 @@
       </p:grpSpPr>
       <p:sp>
         <p:nvSpPr>
-          <p:cNvPr id="2" name="Slide Image Placeholder 1"/>
+          <p:cNvPr id="2" name="Marcador de imagen de diapositiva 1"/>
           <p:cNvSpPr>
             <a:spLocks noGrp="1" noRot="1" noChangeAspect="1"/>
           </p:cNvSpPr>
@@ -4328,7 +4438,7 @@
       </p:sp>
       <p:sp>
         <p:nvSpPr>
-          <p:cNvPr id="3" name="Notes Placeholder 2"/>
+          <p:cNvPr id="3" name="Marcador de notas 2"/>
           <p:cNvSpPr>
             <a:spLocks noGrp="1"/>
           </p:cNvSpPr>
@@ -4341,206 +4451,107 @@
           <a:bodyPr/>
           <a:lstStyle/>
           <a:p>
-            <a:r>
-              <a:rPr lang="en-US" dirty="0"/>
-              <a:t>El </a:t>
-            </a:r>
-            <a:r>
-              <a:rPr lang="en-US" dirty="0" err="1"/>
-              <a:t>proyecto</a:t>
-            </a:r>
-            <a:r>
-              <a:rPr lang="en-US" dirty="0"/>
-              <a:t> ha </a:t>
-            </a:r>
-            <a:r>
-              <a:rPr lang="en-US" dirty="0" err="1"/>
-              <a:t>sido</a:t>
-            </a:r>
-            <a:r>
-              <a:rPr lang="en-US" dirty="0"/>
-              <a:t> </a:t>
-            </a:r>
-            <a:r>
-              <a:rPr lang="en-US" dirty="0" err="1"/>
-              <a:t>ampliado</a:t>
-            </a:r>
-            <a:r>
-              <a:rPr lang="en-US" dirty="0"/>
-              <a:t> y, dado que no se </a:t>
-            </a:r>
-            <a:r>
-              <a:rPr lang="en-US" dirty="0" err="1"/>
-              <a:t>cuenta</a:t>
-            </a:r>
-            <a:r>
-              <a:rPr lang="en-US" dirty="0"/>
-              <a:t> con </a:t>
-            </a:r>
-            <a:r>
-              <a:rPr lang="en-US" dirty="0" err="1"/>
-              <a:t>presupuesto</a:t>
-            </a:r>
-            <a:r>
-              <a:rPr lang="en-US" dirty="0"/>
-              <a:t>, </a:t>
-            </a:r>
-            <a:r>
-              <a:rPr lang="en-US" dirty="0" err="1"/>
-              <a:t>será</a:t>
-            </a:r>
-            <a:r>
-              <a:rPr lang="en-US" dirty="0"/>
-              <a:t> </a:t>
-            </a:r>
-            <a:r>
-              <a:rPr lang="en-US" dirty="0" err="1"/>
-              <a:t>necesario</a:t>
-            </a:r>
-            <a:r>
-              <a:rPr lang="en-US" dirty="0"/>
-              <a:t> </a:t>
-            </a:r>
-            <a:r>
-              <a:rPr lang="en-US" dirty="0" err="1"/>
-              <a:t>solicitarlo</a:t>
-            </a:r>
-            <a:r>
-              <a:rPr lang="en-US" dirty="0"/>
-              <a:t> a la </a:t>
-            </a:r>
-            <a:r>
-              <a:rPr lang="en-US" dirty="0" err="1"/>
-              <a:t>Gerencia</a:t>
-            </a:r>
-            <a:r>
-              <a:rPr lang="en-US" dirty="0"/>
-              <a:t> General.</a:t>
-            </a:r>
-          </a:p>
-          <a:p>
-            <a:endParaRPr lang="en-US" dirty="0"/>
-          </a:p>
-          <a:p>
-            <a:r>
-              <a:rPr lang="en-US" dirty="0" err="1"/>
-              <a:t>Agradeceremos</a:t>
-            </a:r>
-            <a:r>
-              <a:rPr lang="en-US" dirty="0"/>
-              <a:t> </a:t>
-            </a:r>
-            <a:r>
-              <a:rPr lang="en-US" dirty="0" err="1"/>
-              <a:t>tu</a:t>
-            </a:r>
-            <a:r>
-              <a:rPr lang="en-US" dirty="0"/>
-              <a:t> </a:t>
-            </a:r>
-            <a:r>
-              <a:rPr lang="en-US" dirty="0" err="1"/>
-              <a:t>confirmación</a:t>
-            </a:r>
-            <a:r>
-              <a:rPr lang="en-US" dirty="0"/>
-              <a:t>. </a:t>
-            </a:r>
-            <a:r>
-              <a:rPr lang="en-US" dirty="0" err="1"/>
-              <a:t>Asimismo</a:t>
-            </a:r>
-            <a:r>
-              <a:rPr lang="en-US" dirty="0"/>
-              <a:t>, </a:t>
-            </a:r>
-            <a:r>
-              <a:rPr lang="en-US" dirty="0" err="1"/>
-              <a:t>te</a:t>
-            </a:r>
-            <a:r>
-              <a:rPr lang="en-US" dirty="0"/>
-              <a:t> </a:t>
-            </a:r>
-            <a:r>
-              <a:rPr lang="en-US" dirty="0" err="1"/>
-              <a:t>pedimos</a:t>
-            </a:r>
-            <a:r>
-              <a:rPr lang="en-US" dirty="0"/>
-              <a:t> </a:t>
-            </a:r>
-            <a:r>
-              <a:rPr lang="en-US" dirty="0" err="1"/>
-              <a:t>mantener</a:t>
-            </a:r>
-            <a:r>
-              <a:rPr lang="en-US" dirty="0"/>
-              <a:t> la </a:t>
-            </a:r>
-            <a:r>
-              <a:rPr lang="en-US" dirty="0" err="1"/>
-              <a:t>reserva</a:t>
-            </a:r>
-            <a:r>
-              <a:rPr lang="en-US" dirty="0"/>
-              <a:t> de la </a:t>
-            </a:r>
-            <a:r>
-              <a:rPr lang="en-US" dirty="0" err="1"/>
-              <a:t>convocatoria</a:t>
-            </a:r>
-            <a:r>
-              <a:rPr lang="en-US" dirty="0"/>
-              <a:t>, </a:t>
-            </a:r>
-            <a:r>
-              <a:rPr lang="en-US" dirty="0" err="1"/>
-              <a:t>ya</a:t>
-            </a:r>
-            <a:r>
-              <a:rPr lang="en-US" dirty="0"/>
-              <a:t> que </a:t>
-            </a:r>
-            <a:r>
-              <a:rPr lang="en-US" dirty="0" err="1"/>
-              <a:t>desde</a:t>
-            </a:r>
-            <a:r>
-              <a:rPr lang="en-US" dirty="0"/>
-              <a:t> </a:t>
-            </a:r>
-            <a:r>
-              <a:rPr lang="en-US" dirty="0" err="1"/>
-              <a:t>Recursos</a:t>
-            </a:r>
-            <a:r>
-              <a:rPr lang="en-US" dirty="0"/>
-              <a:t> Humanos se </a:t>
-            </a:r>
-            <a:r>
-              <a:rPr lang="en-US" dirty="0" err="1"/>
-              <a:t>avisará</a:t>
-            </a:r>
-            <a:r>
-              <a:rPr lang="en-US" dirty="0"/>
-              <a:t> a los </a:t>
-            </a:r>
-            <a:r>
-              <a:rPr lang="en-US" dirty="0" err="1"/>
-              <a:t>participantes</a:t>
-            </a:r>
-            <a:r>
-              <a:rPr lang="en-US" dirty="0"/>
-              <a:t>.  </a:t>
-            </a:r>
+            <a:pPr marL="228600" indent="-228600">
+              <a:buAutoNum type="arabicPeriod"/>
+            </a:pPr>
+            <a:r>
+              <a:rPr lang="es-ES" dirty="0"/>
+              <a:t>Simple</a:t>
+            </a:r>
+          </a:p>
+          <a:p>
+            <a:pPr marL="228600" indent="-228600">
+              <a:buAutoNum type="arabicPeriod"/>
+            </a:pPr>
+            <a:r>
+              <a:rPr lang="es-ES" dirty="0"/>
+              <a:t>Simple</a:t>
+            </a:r>
+          </a:p>
+          <a:p>
+            <a:pPr marL="228600" indent="-228600">
+              <a:buAutoNum type="arabicPeriod"/>
+            </a:pPr>
+            <a:r>
+              <a:rPr lang="es-PE" dirty="0"/>
+              <a:t>Compleja</a:t>
+            </a:r>
+          </a:p>
+          <a:p>
+            <a:pPr marL="228600" indent="-228600">
+              <a:buAutoNum type="arabicPeriod"/>
+            </a:pPr>
+            <a:r>
+              <a:rPr lang="es-PE" dirty="0"/>
+              <a:t>Compleja</a:t>
+            </a:r>
+          </a:p>
+          <a:p>
+            <a:pPr marL="228600" indent="-228600">
+              <a:buAutoNum type="arabicPeriod"/>
+            </a:pPr>
+            <a:r>
+              <a:rPr lang="es-PE" dirty="0"/>
+              <a:t>Compuesta</a:t>
+            </a:r>
+          </a:p>
+          <a:p>
+            <a:pPr marL="228600" indent="-228600">
+              <a:buAutoNum type="arabicPeriod"/>
+            </a:pPr>
+            <a:r>
+              <a:rPr lang="es-PE" dirty="0"/>
+              <a:t>Compuesta</a:t>
+            </a:r>
+          </a:p>
+          <a:p>
+            <a:pPr marL="228600" indent="-228600">
+              <a:buAutoNum type="arabicPeriod"/>
+            </a:pPr>
+            <a:r>
+              <a:rPr lang="es-PE" dirty="0"/>
+              <a:t>Compuesta</a:t>
+            </a:r>
+          </a:p>
+          <a:p>
+            <a:pPr marL="228600" indent="-228600">
+              <a:buAutoNum type="arabicPeriod"/>
+            </a:pPr>
+            <a:r>
+              <a:rPr lang="es-PE" dirty="0"/>
+              <a:t>Compuesta</a:t>
+            </a:r>
+          </a:p>
+          <a:p>
+            <a:pPr marL="228600" indent="-228600">
+              <a:buAutoNum type="arabicPeriod"/>
+            </a:pPr>
+            <a:r>
+              <a:rPr lang="es-PE" dirty="0"/>
+              <a:t>Simple</a:t>
+            </a:r>
+          </a:p>
+          <a:p>
+            <a:pPr marL="228600" indent="-228600">
+              <a:buAutoNum type="arabicPeriod"/>
+            </a:pPr>
+            <a:r>
+              <a:rPr lang="es-PE" dirty="0"/>
+              <a:t>Compleja</a:t>
+            </a:r>
+          </a:p>
+          <a:p>
+            <a:pPr marL="228600" indent="-228600">
+              <a:buAutoNum type="arabicPeriod"/>
+            </a:pPr>
+            <a:endParaRPr lang="es-PE" dirty="0"/>
           </a:p>
         </p:txBody>
       </p:sp>
     </p:spTree>
     <p:extLst>
       <p:ext uri="{BB962C8B-B14F-4D97-AF65-F5344CB8AC3E}">
-        <p14:creationId xmlns:p14="http://schemas.microsoft.com/office/powerpoint/2010/main" val="1927899833"/>
+        <p14:creationId xmlns:p14="http://schemas.microsoft.com/office/powerpoint/2010/main" val="1363548592"/>
       </p:ext>
     </p:extLst>
   </p:cSld>
@@ -4551,6 +4562,635 @@
 </file>
 
 <file path=ppt/notesSlides/notesSlide7.xml><?xml version="1.0" encoding="utf-8"?>
+<p:notes xmlns:a="http://schemas.openxmlformats.org/drawingml/2006/main" xmlns:r="http://schemas.openxmlformats.org/officeDocument/2006/relationships" xmlns:p="http://schemas.openxmlformats.org/presentationml/2006/main">
+  <p:cSld>
+    <p:spTree>
+      <p:nvGrpSpPr>
+        <p:cNvPr id="1" name=""/>
+        <p:cNvGrpSpPr/>
+        <p:nvPr/>
+      </p:nvGrpSpPr>
+      <p:grpSpPr>
+        <a:xfrm>
+          <a:off x="0" y="0"/>
+          <a:ext cx="0" cy="0"/>
+          <a:chOff x="0" y="0"/>
+          <a:chExt cx="0" cy="0"/>
+        </a:xfrm>
+      </p:grpSpPr>
+      <p:sp>
+        <p:nvSpPr>
+          <p:cNvPr id="2" name="Marcador de imagen de diapositiva 1"/>
+          <p:cNvSpPr>
+            <a:spLocks noGrp="1" noRot="1" noChangeAspect="1"/>
+          </p:cNvSpPr>
+          <p:nvPr>
+            <p:ph type="sldImg"/>
+          </p:nvPr>
+        </p:nvSpPr>
+        <p:spPr/>
+      </p:sp>
+      <p:sp>
+        <p:nvSpPr>
+          <p:cNvPr id="3" name="Marcador de notas 2"/>
+          <p:cNvSpPr>
+            <a:spLocks noGrp="1"/>
+          </p:cNvSpPr>
+          <p:nvPr>
+            <p:ph type="body" idx="1"/>
+          </p:nvPr>
+        </p:nvSpPr>
+        <p:spPr/>
+        <p:txBody>
+          <a:bodyPr/>
+          <a:lstStyle/>
+          <a:p>
+            <a:pPr marL="228600" marR="0" lvl="0" indent="-228600" algn="l" defTabSz="914400" rtl="0" eaLnBrk="1" fontAlgn="auto" latinLnBrk="0" hangingPunct="1">
+              <a:lnSpc>
+                <a:spcPct val="100000"/>
+              </a:lnSpc>
+              <a:spcBef>
+                <a:spcPts val="0"/>
+              </a:spcBef>
+              <a:spcAft>
+                <a:spcPts val="0"/>
+              </a:spcAft>
+              <a:buClrTx/>
+              <a:buSzTx/>
+              <a:buFontTx/>
+              <a:buAutoNum type="arabicPeriod"/>
+              <a:tabLst/>
+              <a:defRPr/>
+            </a:pPr>
+            <a:r>
+              <a:rPr lang="es-ES_tradnl" sz="1200" dirty="0">
+                <a:effectLst/>
+                <a:latin typeface="Arial" panose="020B0604020202020204" pitchFamily="34" charset="0"/>
+                <a:ea typeface="Times New Roman" panose="02020603050405020304" pitchFamily="18" charset="0"/>
+                <a:cs typeface="Times New Roman" panose="02020603050405020304" pitchFamily="18" charset="0"/>
+              </a:rPr>
+              <a:t>Los teléfonos inteligentes,  </a:t>
+            </a:r>
+            <a:r>
+              <a:rPr lang="es-ES_tradnl" sz="1200" i="1" dirty="0" err="1">
+                <a:effectLst/>
+                <a:latin typeface="Arial" panose="020B0604020202020204" pitchFamily="34" charset="0"/>
+                <a:ea typeface="Times New Roman" panose="02020603050405020304" pitchFamily="18" charset="0"/>
+                <a:cs typeface="Times New Roman" panose="02020603050405020304" pitchFamily="18" charset="0"/>
+              </a:rPr>
+              <a:t>smart</a:t>
+            </a:r>
+            <a:r>
+              <a:rPr lang="es-ES_tradnl" sz="1200" i="1" dirty="0">
+                <a:effectLst/>
+                <a:latin typeface="Arial" panose="020B0604020202020204" pitchFamily="34" charset="0"/>
+                <a:ea typeface="Times New Roman" panose="02020603050405020304" pitchFamily="18" charset="0"/>
+                <a:cs typeface="Times New Roman" panose="02020603050405020304" pitchFamily="18" charset="0"/>
+              </a:rPr>
+              <a:t> pones,</a:t>
+            </a:r>
+            <a:r>
+              <a:rPr lang="es-ES_tradnl" sz="1200" dirty="0">
+                <a:effectLst/>
+                <a:latin typeface="Arial" panose="020B0604020202020204" pitchFamily="34" charset="0"/>
+                <a:ea typeface="Times New Roman" panose="02020603050405020304" pitchFamily="18" charset="0"/>
+                <a:cs typeface="Times New Roman" panose="02020603050405020304" pitchFamily="18" charset="0"/>
+              </a:rPr>
+              <a:t> siguen inundando el mercado peruano. [Coma Explicativa]</a:t>
+            </a:r>
+          </a:p>
+          <a:p>
+            <a:pPr marL="228600" marR="0" lvl="0" indent="-228600" algn="l" defTabSz="914400" rtl="0" eaLnBrk="1" fontAlgn="auto" latinLnBrk="0" hangingPunct="1">
+              <a:lnSpc>
+                <a:spcPct val="100000"/>
+              </a:lnSpc>
+              <a:spcBef>
+                <a:spcPts val="0"/>
+              </a:spcBef>
+              <a:spcAft>
+                <a:spcPts val="0"/>
+              </a:spcAft>
+              <a:buClrTx/>
+              <a:buSzTx/>
+              <a:buFontTx/>
+              <a:buAutoNum type="arabicPeriod"/>
+              <a:tabLst/>
+              <a:defRPr/>
+            </a:pPr>
+            <a:r>
+              <a:rPr lang="es-ES_tradnl" sz="1200" dirty="0">
+                <a:effectLst/>
+                <a:latin typeface="Arial" panose="020B0604020202020204" pitchFamily="34" charset="0"/>
+                <a:ea typeface="Times New Roman" panose="02020603050405020304" pitchFamily="18" charset="0"/>
+                <a:cs typeface="Times New Roman" panose="02020603050405020304" pitchFamily="18" charset="0"/>
+              </a:rPr>
+              <a:t>Gracias a su diseño estilizado y a la comodidad de su teclado, se están convirtiendo rápidamente en herramientas indispensables. [</a:t>
+            </a:r>
+            <a:r>
+              <a:rPr lang="es-ES_tradnl" sz="1200" dirty="0"/>
+              <a:t>Coma de cláusula </a:t>
+            </a:r>
+            <a:r>
+              <a:rPr lang="es-ES_tradnl" sz="1200" dirty="0" err="1"/>
+              <a:t>introductiva</a:t>
+            </a:r>
+            <a:r>
+              <a:rPr lang="es-ES_tradnl" sz="1200" dirty="0">
+                <a:effectLst/>
+                <a:latin typeface="Arial" panose="020B0604020202020204" pitchFamily="34" charset="0"/>
+                <a:ea typeface="Times New Roman" panose="02020603050405020304" pitchFamily="18" charset="0"/>
+                <a:cs typeface="Times New Roman" panose="02020603050405020304" pitchFamily="18" charset="0"/>
+              </a:rPr>
+              <a:t>]</a:t>
+            </a:r>
+          </a:p>
+          <a:p>
+            <a:pPr marL="228600" marR="0" lvl="0" indent="-228600" algn="l" defTabSz="914400" rtl="0" eaLnBrk="1" fontAlgn="auto" latinLnBrk="0" hangingPunct="1">
+              <a:lnSpc>
+                <a:spcPct val="100000"/>
+              </a:lnSpc>
+              <a:spcBef>
+                <a:spcPts val="0"/>
+              </a:spcBef>
+              <a:spcAft>
+                <a:spcPts val="0"/>
+              </a:spcAft>
+              <a:buClrTx/>
+              <a:buSzTx/>
+              <a:buFontTx/>
+              <a:buAutoNum type="arabicPeriod"/>
+              <a:tabLst/>
+              <a:defRPr/>
+            </a:pPr>
+            <a:r>
+              <a:rPr lang="es-ES_tradnl" sz="1200" dirty="0">
+                <a:effectLst/>
+                <a:latin typeface="Arial" panose="020B0604020202020204" pitchFamily="34" charset="0"/>
+                <a:ea typeface="Times New Roman" panose="02020603050405020304" pitchFamily="18" charset="0"/>
+                <a:cs typeface="Times New Roman" panose="02020603050405020304" pitchFamily="18" charset="0"/>
+              </a:rPr>
+              <a:t>El producto demostró en la evaluación ser bastante funcional, pues trae comandos de voz y datos. [</a:t>
+            </a:r>
+            <a:r>
+              <a:rPr lang="es-ES_tradnl" sz="1200" dirty="0">
+                <a:solidFill>
+                  <a:srgbClr val="FF0000"/>
+                </a:solidFill>
+              </a:rPr>
+              <a:t>Coma relacionadora</a:t>
+            </a:r>
+            <a:r>
+              <a:rPr lang="es-ES_tradnl" sz="1200" dirty="0">
+                <a:effectLst/>
+                <a:latin typeface="Arial" panose="020B0604020202020204" pitchFamily="34" charset="0"/>
+                <a:ea typeface="Times New Roman" panose="02020603050405020304" pitchFamily="18" charset="0"/>
+                <a:cs typeface="Times New Roman" panose="02020603050405020304" pitchFamily="18" charset="0"/>
+              </a:rPr>
+              <a:t>]</a:t>
+            </a:r>
+          </a:p>
+          <a:p>
+            <a:pPr marL="228600" marR="0" lvl="0" indent="-228600" algn="l" defTabSz="914400" rtl="0" eaLnBrk="1" fontAlgn="auto" latinLnBrk="0" hangingPunct="1">
+              <a:lnSpc>
+                <a:spcPct val="100000"/>
+              </a:lnSpc>
+              <a:spcBef>
+                <a:spcPts val="0"/>
+              </a:spcBef>
+              <a:spcAft>
+                <a:spcPts val="0"/>
+              </a:spcAft>
+              <a:buClrTx/>
+              <a:buSzTx/>
+              <a:buFontTx/>
+              <a:buAutoNum type="arabicPeriod"/>
+              <a:tabLst/>
+              <a:defRPr/>
+            </a:pPr>
+            <a:r>
+              <a:rPr lang="es-ES_tradnl" sz="1200" dirty="0">
+                <a:effectLst/>
+                <a:latin typeface="Arial" panose="020B0604020202020204" pitchFamily="34" charset="0"/>
+                <a:ea typeface="Times New Roman" panose="02020603050405020304" pitchFamily="18" charset="0"/>
+                <a:cs typeface="Times New Roman" panose="02020603050405020304" pitchFamily="18" charset="0"/>
+              </a:rPr>
+              <a:t>Adicionalmente, el equipo ofrece funcionalidad e integración con su computadora. [Coma de expresión </a:t>
+            </a:r>
+            <a:r>
+              <a:rPr lang="es-ES_tradnl" sz="1200" dirty="0" err="1">
+                <a:effectLst/>
+                <a:latin typeface="Arial" panose="020B0604020202020204" pitchFamily="34" charset="0"/>
+                <a:ea typeface="Times New Roman" panose="02020603050405020304" pitchFamily="18" charset="0"/>
+                <a:cs typeface="Times New Roman" panose="02020603050405020304" pitchFamily="18" charset="0"/>
+              </a:rPr>
+              <a:t>Introductiva</a:t>
+            </a:r>
+            <a:r>
+              <a:rPr lang="es-ES_tradnl" sz="1200" dirty="0">
+                <a:effectLst/>
+                <a:latin typeface="Arial" panose="020B0604020202020204" pitchFamily="34" charset="0"/>
+                <a:ea typeface="Times New Roman" panose="02020603050405020304" pitchFamily="18" charset="0"/>
+                <a:cs typeface="Times New Roman" panose="02020603050405020304" pitchFamily="18" charset="0"/>
+              </a:rPr>
+              <a:t>]</a:t>
+            </a:r>
+          </a:p>
+          <a:p>
+            <a:pPr marL="228600" marR="0" lvl="0" indent="-228600" algn="l" defTabSz="914400" rtl="0" eaLnBrk="1" fontAlgn="auto" latinLnBrk="0" hangingPunct="1">
+              <a:lnSpc>
+                <a:spcPct val="100000"/>
+              </a:lnSpc>
+              <a:spcBef>
+                <a:spcPts val="0"/>
+              </a:spcBef>
+              <a:spcAft>
+                <a:spcPts val="0"/>
+              </a:spcAft>
+              <a:buClrTx/>
+              <a:buSzTx/>
+              <a:buFontTx/>
+              <a:buAutoNum type="arabicPeriod"/>
+              <a:tabLst/>
+              <a:defRPr/>
+            </a:pPr>
+            <a:r>
+              <a:rPr lang="es-ES_tradnl" sz="1200" dirty="0">
+                <a:effectLst/>
+                <a:latin typeface="Arial" panose="020B0604020202020204" pitchFamily="34" charset="0"/>
+                <a:ea typeface="Times New Roman" panose="02020603050405020304" pitchFamily="18" charset="0"/>
+                <a:cs typeface="Times New Roman" panose="02020603050405020304" pitchFamily="18" charset="0"/>
+              </a:rPr>
+              <a:t>El equipo ofrece, además, conexión </a:t>
+            </a:r>
+            <a:r>
+              <a:rPr lang="es-ES_tradnl" sz="1200" dirty="0" err="1">
+                <a:effectLst/>
+                <a:latin typeface="Arial" panose="020B0604020202020204" pitchFamily="34" charset="0"/>
+                <a:ea typeface="Times New Roman" panose="02020603050405020304" pitchFamily="18" charset="0"/>
+                <a:cs typeface="Times New Roman" panose="02020603050405020304" pitchFamily="18" charset="0"/>
+              </a:rPr>
+              <a:t>Wi</a:t>
+            </a:r>
+            <a:r>
+              <a:rPr lang="es-ES_tradnl" sz="1200" dirty="0">
+                <a:effectLst/>
+                <a:latin typeface="Arial" panose="020B0604020202020204" pitchFamily="34" charset="0"/>
+                <a:ea typeface="Times New Roman" panose="02020603050405020304" pitchFamily="18" charset="0"/>
+                <a:cs typeface="Times New Roman" panose="02020603050405020304" pitchFamily="18" charset="0"/>
+              </a:rPr>
+              <a:t> Fi. [Coma Explicativa]</a:t>
+            </a:r>
+          </a:p>
+          <a:p>
+            <a:pPr marL="228600" marR="0" lvl="0" indent="-228600" algn="l" defTabSz="914400" rtl="0" eaLnBrk="1" fontAlgn="auto" latinLnBrk="0" hangingPunct="1">
+              <a:lnSpc>
+                <a:spcPct val="100000"/>
+              </a:lnSpc>
+              <a:spcBef>
+                <a:spcPts val="0"/>
+              </a:spcBef>
+              <a:spcAft>
+                <a:spcPts val="0"/>
+              </a:spcAft>
+              <a:buClrTx/>
+              <a:buSzTx/>
+              <a:buFontTx/>
+              <a:buAutoNum type="arabicPeriod"/>
+              <a:tabLst/>
+              <a:defRPr/>
+            </a:pPr>
+            <a:r>
+              <a:rPr lang="es-ES_tradnl" sz="1200" dirty="0">
+                <a:effectLst/>
+                <a:latin typeface="Arial" panose="020B0604020202020204" pitchFamily="34" charset="0"/>
+                <a:ea typeface="Times New Roman" panose="02020603050405020304" pitchFamily="18" charset="0"/>
+                <a:cs typeface="Times New Roman" panose="02020603050405020304" pitchFamily="18" charset="0"/>
+              </a:rPr>
+              <a:t>Las aplicaciones para descargar son muy variadas, pero antes debe verificarse si existe compatibilidad con el equipo. [Coma relacionadora]</a:t>
+            </a:r>
+          </a:p>
+          <a:p>
+            <a:pPr marL="228600" marR="0" lvl="0" indent="-228600" algn="l" defTabSz="914400" rtl="0" eaLnBrk="1" fontAlgn="auto" latinLnBrk="0" hangingPunct="1">
+              <a:lnSpc>
+                <a:spcPct val="100000"/>
+              </a:lnSpc>
+              <a:spcBef>
+                <a:spcPts val="0"/>
+              </a:spcBef>
+              <a:spcAft>
+                <a:spcPts val="0"/>
+              </a:spcAft>
+              <a:buClrTx/>
+              <a:buSzTx/>
+              <a:buFontTx/>
+              <a:buAutoNum type="arabicPeriod"/>
+              <a:tabLst/>
+              <a:defRPr/>
+            </a:pPr>
+            <a:r>
+              <a:rPr lang="es-ES_tradnl" sz="1200" dirty="0">
+                <a:effectLst/>
+                <a:latin typeface="Arial" panose="020B0604020202020204" pitchFamily="34" charset="0"/>
+                <a:ea typeface="Times New Roman" panose="02020603050405020304" pitchFamily="18" charset="0"/>
+                <a:cs typeface="Times New Roman" panose="02020603050405020304" pitchFamily="18" charset="0"/>
+              </a:rPr>
+              <a:t>El equipo que nos han ofertado incorpora el sistema operativo Windows Mobile 9.0, el cual permite la comunicación sin mayor problema. [Coma relacionadora]</a:t>
+            </a:r>
+          </a:p>
+          <a:p>
+            <a:pPr marL="228600" marR="0" lvl="0" indent="-228600" algn="l" defTabSz="914400" rtl="0" eaLnBrk="1" fontAlgn="auto" latinLnBrk="0" hangingPunct="1">
+              <a:lnSpc>
+                <a:spcPct val="100000"/>
+              </a:lnSpc>
+              <a:spcBef>
+                <a:spcPts val="0"/>
+              </a:spcBef>
+              <a:spcAft>
+                <a:spcPts val="0"/>
+              </a:spcAft>
+              <a:buClrTx/>
+              <a:buSzTx/>
+              <a:buFontTx/>
+              <a:buAutoNum type="arabicPeriod"/>
+              <a:tabLst/>
+              <a:defRPr/>
+            </a:pPr>
+            <a:r>
+              <a:rPr lang="es-ES_tradnl" sz="1200" dirty="0">
+                <a:effectLst/>
+                <a:latin typeface="Arial" panose="020B0604020202020204" pitchFamily="34" charset="0"/>
+                <a:ea typeface="Times New Roman" panose="02020603050405020304" pitchFamily="18" charset="0"/>
+                <a:cs typeface="Times New Roman" panose="02020603050405020304" pitchFamily="18" charset="0"/>
+              </a:rPr>
+              <a:t>Si no tenemos claro qué vamos a comunicar, es posible que nuestro mensaje sea emitido en forma confusa y no sea recibido con claridad por nuestro receptor. [</a:t>
+            </a:r>
+            <a:r>
+              <a:rPr lang="es-ES_tradnl" sz="1200" dirty="0"/>
+              <a:t>Coma de cláusula </a:t>
+            </a:r>
+            <a:r>
+              <a:rPr lang="es-ES_tradnl" sz="1200" dirty="0" err="1"/>
+              <a:t>introductiva</a:t>
+            </a:r>
+            <a:r>
+              <a:rPr lang="es-ES_tradnl" sz="1200" dirty="0">
+                <a:effectLst/>
+                <a:latin typeface="Arial" panose="020B0604020202020204" pitchFamily="34" charset="0"/>
+                <a:ea typeface="Times New Roman" panose="02020603050405020304" pitchFamily="18" charset="0"/>
+                <a:cs typeface="Times New Roman" panose="02020603050405020304" pitchFamily="18" charset="0"/>
+              </a:rPr>
+              <a:t>]</a:t>
+            </a:r>
+          </a:p>
+          <a:p>
+            <a:pPr marL="228600" marR="0" lvl="0" indent="-228600" algn="l" defTabSz="914400" rtl="0" eaLnBrk="1" fontAlgn="auto" latinLnBrk="0" hangingPunct="1">
+              <a:lnSpc>
+                <a:spcPct val="100000"/>
+              </a:lnSpc>
+              <a:spcBef>
+                <a:spcPts val="0"/>
+              </a:spcBef>
+              <a:spcAft>
+                <a:spcPts val="0"/>
+              </a:spcAft>
+              <a:buClrTx/>
+              <a:buSzTx/>
+              <a:buFontTx/>
+              <a:buAutoNum type="arabicPeriod"/>
+              <a:tabLst/>
+              <a:defRPr/>
+            </a:pPr>
+            <a:r>
+              <a:rPr lang="es-ES_tradnl" sz="1200" dirty="0">
+                <a:effectLst/>
+                <a:latin typeface="Arial" panose="020B0604020202020204" pitchFamily="34" charset="0"/>
+                <a:ea typeface="Times New Roman" panose="02020603050405020304" pitchFamily="18" charset="0"/>
+                <a:cs typeface="Times New Roman" panose="02020603050405020304" pitchFamily="18" charset="0"/>
+              </a:rPr>
+              <a:t>La habilidad de comunicación, en opinión de los expertos, es fundamental en el ejercicio del liderazgo. [Coma Explicativa]</a:t>
+            </a:r>
+            <a:endParaRPr lang="en-US" sz="1200" dirty="0">
+              <a:effectLst/>
+              <a:latin typeface="Arial" panose="020B0604020202020204" pitchFamily="34" charset="0"/>
+              <a:ea typeface="Times New Roman" panose="02020603050405020304" pitchFamily="18" charset="0"/>
+              <a:cs typeface="Times New Roman" panose="02020603050405020304" pitchFamily="18" charset="0"/>
+            </a:endParaRPr>
+          </a:p>
+          <a:p>
+            <a:pPr marL="228600" marR="0" lvl="0" indent="-228600" algn="l" defTabSz="914400" rtl="0" eaLnBrk="1" fontAlgn="auto" latinLnBrk="0" hangingPunct="1">
+              <a:lnSpc>
+                <a:spcPct val="100000"/>
+              </a:lnSpc>
+              <a:spcBef>
+                <a:spcPts val="0"/>
+              </a:spcBef>
+              <a:spcAft>
+                <a:spcPts val="0"/>
+              </a:spcAft>
+              <a:buClrTx/>
+              <a:buSzTx/>
+              <a:buFontTx/>
+              <a:buAutoNum type="arabicPeriod"/>
+              <a:tabLst/>
+              <a:defRPr/>
+            </a:pPr>
+            <a:endParaRPr lang="en-US" sz="1200" dirty="0">
+              <a:latin typeface="Arial" panose="020B0604020202020204" pitchFamily="34" charset="0"/>
+              <a:ea typeface="Times New Roman" panose="02020603050405020304" pitchFamily="18" charset="0"/>
+              <a:cs typeface="Times New Roman" panose="02020603050405020304" pitchFamily="18" charset="0"/>
+            </a:endParaRPr>
+          </a:p>
+          <a:p>
+            <a:pPr marL="228600" marR="0" lvl="0" indent="-228600" algn="l" defTabSz="914400" rtl="0" eaLnBrk="1" fontAlgn="auto" latinLnBrk="0" hangingPunct="1">
+              <a:lnSpc>
+                <a:spcPct val="100000"/>
+              </a:lnSpc>
+              <a:spcBef>
+                <a:spcPts val="0"/>
+              </a:spcBef>
+              <a:spcAft>
+                <a:spcPts val="0"/>
+              </a:spcAft>
+              <a:buClrTx/>
+              <a:buSzTx/>
+              <a:buFontTx/>
+              <a:buAutoNum type="arabicPeriod"/>
+              <a:tabLst/>
+              <a:defRPr/>
+            </a:pPr>
+            <a:endParaRPr lang="es-ES_tradnl" sz="1200" dirty="0">
+              <a:effectLst/>
+              <a:latin typeface="Arial" panose="020B0604020202020204" pitchFamily="34" charset="0"/>
+              <a:ea typeface="Times New Roman" panose="02020603050405020304" pitchFamily="18" charset="0"/>
+              <a:cs typeface="Times New Roman" panose="02020603050405020304" pitchFamily="18" charset="0"/>
+            </a:endParaRPr>
+          </a:p>
+          <a:p>
+            <a:pPr marL="228600" marR="0" lvl="0" indent="-228600" algn="l" defTabSz="914400" rtl="0" eaLnBrk="1" fontAlgn="auto" latinLnBrk="0" hangingPunct="1">
+              <a:lnSpc>
+                <a:spcPct val="100000"/>
+              </a:lnSpc>
+              <a:spcBef>
+                <a:spcPts val="0"/>
+              </a:spcBef>
+              <a:spcAft>
+                <a:spcPts val="0"/>
+              </a:spcAft>
+              <a:buClrTx/>
+              <a:buSzTx/>
+              <a:buFontTx/>
+              <a:buAutoNum type="arabicPeriod"/>
+              <a:tabLst/>
+              <a:defRPr/>
+            </a:pPr>
+            <a:endParaRPr lang="en-US" sz="1200" dirty="0">
+              <a:effectLst/>
+              <a:latin typeface="Arial" panose="020B0604020202020204" pitchFamily="34" charset="0"/>
+              <a:ea typeface="Times New Roman" panose="02020603050405020304" pitchFamily="18" charset="0"/>
+              <a:cs typeface="Times New Roman" panose="02020603050405020304" pitchFamily="18" charset="0"/>
+            </a:endParaRPr>
+          </a:p>
+          <a:p>
+            <a:pPr marL="228600" marR="0" lvl="0" indent="-228600" algn="l" defTabSz="914400" rtl="0" eaLnBrk="1" fontAlgn="auto" latinLnBrk="0" hangingPunct="1">
+              <a:lnSpc>
+                <a:spcPct val="100000"/>
+              </a:lnSpc>
+              <a:spcBef>
+                <a:spcPts val="0"/>
+              </a:spcBef>
+              <a:spcAft>
+                <a:spcPts val="0"/>
+              </a:spcAft>
+              <a:buClrTx/>
+              <a:buSzTx/>
+              <a:buFontTx/>
+              <a:buAutoNum type="arabicPeriod"/>
+              <a:tabLst/>
+              <a:defRPr/>
+            </a:pPr>
+            <a:endParaRPr lang="en-US" sz="1200" dirty="0">
+              <a:effectLst/>
+              <a:latin typeface="Arial" panose="020B0604020202020204" pitchFamily="34" charset="0"/>
+              <a:ea typeface="Times New Roman" panose="02020603050405020304" pitchFamily="18" charset="0"/>
+              <a:cs typeface="Times New Roman" panose="02020603050405020304" pitchFamily="18" charset="0"/>
+            </a:endParaRPr>
+          </a:p>
+          <a:p>
+            <a:pPr marL="228600" marR="0" lvl="0" indent="-228600" algn="l" defTabSz="914400" rtl="0" eaLnBrk="1" fontAlgn="auto" latinLnBrk="0" hangingPunct="1">
+              <a:lnSpc>
+                <a:spcPct val="100000"/>
+              </a:lnSpc>
+              <a:spcBef>
+                <a:spcPts val="0"/>
+              </a:spcBef>
+              <a:spcAft>
+                <a:spcPts val="0"/>
+              </a:spcAft>
+              <a:buClrTx/>
+              <a:buSzTx/>
+              <a:buFontTx/>
+              <a:buAutoNum type="arabicPeriod"/>
+              <a:tabLst/>
+              <a:defRPr/>
+            </a:pPr>
+            <a:endParaRPr lang="en-US" sz="1200" dirty="0">
+              <a:effectLst/>
+              <a:latin typeface="Arial" panose="020B0604020202020204" pitchFamily="34" charset="0"/>
+              <a:ea typeface="Times New Roman" panose="02020603050405020304" pitchFamily="18" charset="0"/>
+              <a:cs typeface="Times New Roman" panose="02020603050405020304" pitchFamily="18" charset="0"/>
+            </a:endParaRPr>
+          </a:p>
+          <a:p>
+            <a:pPr marL="228600" marR="0" lvl="0" indent="-228600" algn="l" defTabSz="914400" rtl="0" eaLnBrk="1" fontAlgn="auto" latinLnBrk="0" hangingPunct="1">
+              <a:lnSpc>
+                <a:spcPct val="100000"/>
+              </a:lnSpc>
+              <a:spcBef>
+                <a:spcPts val="0"/>
+              </a:spcBef>
+              <a:spcAft>
+                <a:spcPts val="0"/>
+              </a:spcAft>
+              <a:buClrTx/>
+              <a:buSzTx/>
+              <a:buFontTx/>
+              <a:buAutoNum type="arabicPeriod"/>
+              <a:tabLst/>
+              <a:defRPr/>
+            </a:pPr>
+            <a:endParaRPr lang="en-US" sz="1200" dirty="0">
+              <a:effectLst/>
+              <a:latin typeface="Arial" panose="020B0604020202020204" pitchFamily="34" charset="0"/>
+              <a:ea typeface="Times New Roman" panose="02020603050405020304" pitchFamily="18" charset="0"/>
+              <a:cs typeface="Times New Roman" panose="02020603050405020304" pitchFamily="18" charset="0"/>
+            </a:endParaRPr>
+          </a:p>
+          <a:p>
+            <a:pPr marL="228600" marR="0" lvl="0" indent="-228600" algn="l" defTabSz="914400" rtl="0" eaLnBrk="1" fontAlgn="auto" latinLnBrk="0" hangingPunct="1">
+              <a:lnSpc>
+                <a:spcPct val="100000"/>
+              </a:lnSpc>
+              <a:spcBef>
+                <a:spcPts val="0"/>
+              </a:spcBef>
+              <a:spcAft>
+                <a:spcPts val="0"/>
+              </a:spcAft>
+              <a:buClrTx/>
+              <a:buSzTx/>
+              <a:buFontTx/>
+              <a:buAutoNum type="arabicPeriod"/>
+              <a:tabLst/>
+              <a:defRPr/>
+            </a:pPr>
+            <a:endParaRPr lang="en-US" sz="1200" dirty="0">
+              <a:effectLst/>
+              <a:latin typeface="Arial" panose="020B0604020202020204" pitchFamily="34" charset="0"/>
+              <a:ea typeface="Times New Roman" panose="02020603050405020304" pitchFamily="18" charset="0"/>
+              <a:cs typeface="Times New Roman" panose="02020603050405020304" pitchFamily="18" charset="0"/>
+            </a:endParaRPr>
+          </a:p>
+          <a:p>
+            <a:pPr marL="228600" marR="0" lvl="0" indent="-228600" algn="l" defTabSz="914400" rtl="0" eaLnBrk="1" fontAlgn="auto" latinLnBrk="0" hangingPunct="1">
+              <a:lnSpc>
+                <a:spcPct val="100000"/>
+              </a:lnSpc>
+              <a:spcBef>
+                <a:spcPts val="0"/>
+              </a:spcBef>
+              <a:spcAft>
+                <a:spcPts val="0"/>
+              </a:spcAft>
+              <a:buClrTx/>
+              <a:buSzTx/>
+              <a:buFontTx/>
+              <a:buAutoNum type="arabicPeriod"/>
+              <a:tabLst/>
+              <a:defRPr/>
+            </a:pPr>
+            <a:endParaRPr lang="es-ES_tradnl" sz="1200" dirty="0">
+              <a:effectLst/>
+              <a:latin typeface="Arial" panose="020B0604020202020204" pitchFamily="34" charset="0"/>
+              <a:ea typeface="Times New Roman" panose="02020603050405020304" pitchFamily="18" charset="0"/>
+              <a:cs typeface="Times New Roman" panose="02020603050405020304" pitchFamily="18" charset="0"/>
+            </a:endParaRPr>
+          </a:p>
+        </p:txBody>
+      </p:sp>
+    </p:spTree>
+    <p:extLst>
+      <p:ext uri="{BB962C8B-B14F-4D97-AF65-F5344CB8AC3E}">
+        <p14:creationId xmlns:p14="http://schemas.microsoft.com/office/powerpoint/2010/main" val="1786143708"/>
+      </p:ext>
+    </p:extLst>
+  </p:cSld>
+  <p:clrMapOvr>
+    <a:masterClrMapping/>
+  </p:clrMapOvr>
+</p:notes>
+</file>
+
+<file path=ppt/notesSlides/notesSlide8.xml><?xml version="1.0" encoding="utf-8"?>
 <p:notes xmlns:a="http://schemas.openxmlformats.org/drawingml/2006/main" xmlns:r="http://schemas.openxmlformats.org/officeDocument/2006/relationships" xmlns:p="http://schemas.openxmlformats.org/presentationml/2006/main">
   <p:cSld>
     <p:spTree>
@@ -4594,14 +5234,206 @@
           <a:bodyPr/>
           <a:lstStyle/>
           <a:p>
-            <a:endParaRPr lang="en-US" sz="1600" dirty="0"/>
+            <a:r>
+              <a:rPr lang="en-US" dirty="0"/>
+              <a:t>El </a:t>
+            </a:r>
+            <a:r>
+              <a:rPr lang="en-US" dirty="0" err="1"/>
+              <a:t>proyecto</a:t>
+            </a:r>
+            <a:r>
+              <a:rPr lang="en-US" dirty="0"/>
+              <a:t> ha </a:t>
+            </a:r>
+            <a:r>
+              <a:rPr lang="en-US" dirty="0" err="1"/>
+              <a:t>sido</a:t>
+            </a:r>
+            <a:r>
+              <a:rPr lang="en-US" dirty="0"/>
+              <a:t> </a:t>
+            </a:r>
+            <a:r>
+              <a:rPr lang="en-US" dirty="0" err="1"/>
+              <a:t>ampliado</a:t>
+            </a:r>
+            <a:r>
+              <a:rPr lang="en-US" dirty="0"/>
+              <a:t> y, dado que no se </a:t>
+            </a:r>
+            <a:r>
+              <a:rPr lang="en-US" dirty="0" err="1"/>
+              <a:t>cuenta</a:t>
+            </a:r>
+            <a:r>
+              <a:rPr lang="en-US" dirty="0"/>
+              <a:t> con </a:t>
+            </a:r>
+            <a:r>
+              <a:rPr lang="en-US" dirty="0" err="1"/>
+              <a:t>presupuesto</a:t>
+            </a:r>
+            <a:r>
+              <a:rPr lang="en-US" dirty="0"/>
+              <a:t>, </a:t>
+            </a:r>
+            <a:r>
+              <a:rPr lang="en-US" dirty="0" err="1"/>
+              <a:t>será</a:t>
+            </a:r>
+            <a:r>
+              <a:rPr lang="en-US" dirty="0"/>
+              <a:t> </a:t>
+            </a:r>
+            <a:r>
+              <a:rPr lang="en-US" dirty="0" err="1"/>
+              <a:t>necesario</a:t>
+            </a:r>
+            <a:r>
+              <a:rPr lang="en-US" dirty="0"/>
+              <a:t> </a:t>
+            </a:r>
+            <a:r>
+              <a:rPr lang="en-US" dirty="0" err="1"/>
+              <a:t>solicitarlo</a:t>
+            </a:r>
+            <a:r>
+              <a:rPr lang="en-US" dirty="0"/>
+              <a:t> a la </a:t>
+            </a:r>
+            <a:r>
+              <a:rPr lang="en-US" dirty="0" err="1"/>
+              <a:t>Gerencia</a:t>
+            </a:r>
+            <a:r>
+              <a:rPr lang="en-US" dirty="0"/>
+              <a:t> General.</a:t>
+            </a:r>
+          </a:p>
+          <a:p>
+            <a:endParaRPr lang="en-US" dirty="0"/>
+          </a:p>
+          <a:p>
+            <a:r>
+              <a:rPr lang="en-US" dirty="0" err="1"/>
+              <a:t>Agradeceremos</a:t>
+            </a:r>
+            <a:r>
+              <a:rPr lang="en-US" dirty="0"/>
+              <a:t> </a:t>
+            </a:r>
+            <a:r>
+              <a:rPr lang="en-US" dirty="0" err="1"/>
+              <a:t>tu</a:t>
+            </a:r>
+            <a:r>
+              <a:rPr lang="en-US" dirty="0"/>
+              <a:t> </a:t>
+            </a:r>
+            <a:r>
+              <a:rPr lang="en-US" dirty="0" err="1"/>
+              <a:t>confirmación</a:t>
+            </a:r>
+            <a:r>
+              <a:rPr lang="en-US" dirty="0"/>
+              <a:t>. </a:t>
+            </a:r>
+            <a:r>
+              <a:rPr lang="en-US" dirty="0" err="1"/>
+              <a:t>Asimismo</a:t>
+            </a:r>
+            <a:r>
+              <a:rPr lang="en-US" dirty="0"/>
+              <a:t>, </a:t>
+            </a:r>
+            <a:r>
+              <a:rPr lang="en-US" dirty="0" err="1"/>
+              <a:t>te</a:t>
+            </a:r>
+            <a:r>
+              <a:rPr lang="en-US" dirty="0"/>
+              <a:t> </a:t>
+            </a:r>
+            <a:r>
+              <a:rPr lang="en-US" dirty="0" err="1"/>
+              <a:t>pedimos</a:t>
+            </a:r>
+            <a:r>
+              <a:rPr lang="en-US" dirty="0"/>
+              <a:t> </a:t>
+            </a:r>
+            <a:r>
+              <a:rPr lang="en-US" dirty="0" err="1"/>
+              <a:t>mantener</a:t>
+            </a:r>
+            <a:r>
+              <a:rPr lang="en-US" dirty="0"/>
+              <a:t> la </a:t>
+            </a:r>
+            <a:r>
+              <a:rPr lang="en-US" dirty="0" err="1"/>
+              <a:t>reserva</a:t>
+            </a:r>
+            <a:r>
+              <a:rPr lang="en-US" dirty="0"/>
+              <a:t> de la </a:t>
+            </a:r>
+            <a:r>
+              <a:rPr lang="en-US" dirty="0" err="1"/>
+              <a:t>convocatoria</a:t>
+            </a:r>
+            <a:r>
+              <a:rPr lang="en-US" dirty="0"/>
+              <a:t>, </a:t>
+            </a:r>
+            <a:r>
+              <a:rPr lang="en-US" dirty="0" err="1"/>
+              <a:t>ya</a:t>
+            </a:r>
+            <a:r>
+              <a:rPr lang="en-US" dirty="0"/>
+              <a:t> que </a:t>
+            </a:r>
+            <a:r>
+              <a:rPr lang="en-US" dirty="0" err="1"/>
+              <a:t>desde</a:t>
+            </a:r>
+            <a:r>
+              <a:rPr lang="en-US" dirty="0"/>
+              <a:t> </a:t>
+            </a:r>
+            <a:r>
+              <a:rPr lang="en-US" dirty="0" err="1"/>
+              <a:t>Recursos</a:t>
+            </a:r>
+            <a:r>
+              <a:rPr lang="en-US" dirty="0"/>
+              <a:t> Humanos se </a:t>
+            </a:r>
+            <a:r>
+              <a:rPr lang="en-US" dirty="0" err="1"/>
+              <a:t>avisará</a:t>
+            </a:r>
+            <a:r>
+              <a:rPr lang="en-US" dirty="0"/>
+              <a:t> a los </a:t>
+            </a:r>
+            <a:r>
+              <a:rPr lang="en-US" dirty="0" err="1"/>
+              <a:t>participantes</a:t>
+            </a:r>
+            <a:r>
+              <a:rPr lang="en-US" dirty="0"/>
+              <a:t>.  </a:t>
+            </a:r>
           </a:p>
         </p:txBody>
       </p:sp>
     </p:spTree>
     <p:extLst>
       <p:ext uri="{BB962C8B-B14F-4D97-AF65-F5344CB8AC3E}">
-        <p14:creationId xmlns:p14="http://schemas.microsoft.com/office/powerpoint/2010/main" val="423355656"/>
+        <p14:creationId xmlns:p14="http://schemas.microsoft.com/office/powerpoint/2010/main" val="1927899833"/>
       </p:ext>
     </p:extLst>
   </p:cSld>
@@ -4611,7 +5443,7 @@
 </p:notes>
 </file>
 
-<file path=ppt/notesSlides/notesSlide8.xml><?xml version="1.0" encoding="utf-8"?>
+<file path=ppt/notesSlides/notesSlide9.xml><?xml version="1.0" encoding="utf-8"?>
 <p:notes xmlns:a="http://schemas.openxmlformats.org/drawingml/2006/main" xmlns:r="http://schemas.openxmlformats.org/officeDocument/2006/relationships" xmlns:p="http://schemas.openxmlformats.org/presentationml/2006/main">
   <p:cSld>
     <p:spTree>
@@ -4630,38 +5462,19 @@
       </p:grpSpPr>
       <p:sp>
         <p:nvSpPr>
-          <p:cNvPr id="50178" name="Marcador de imagen de diapositiva 1"/>
+          <p:cNvPr id="2" name="Slide Image Placeholder 1"/>
           <p:cNvSpPr>
-            <a:spLocks noGrp="1" noRot="1" noChangeAspect="1" noTextEdit="1"/>
+            <a:spLocks noGrp="1" noRot="1" noChangeAspect="1"/>
           </p:cNvSpPr>
           <p:nvPr>
             <p:ph type="sldImg"/>
           </p:nvPr>
         </p:nvSpPr>
-        <p:spPr bwMode="auto">
-          <a:noFill/>
-          <a:ln>
-            <a:solidFill>
-              <a:srgbClr val="000000"/>
-            </a:solidFill>
-            <a:miter lim="800000"/>
-            <a:headEnd/>
-            <a:tailEnd/>
-          </a:ln>
-          <a:extLst>
-            <a:ext uri="{909E8E84-426E-40DD-AFC4-6F175D3DCCD1}">
-              <a14:hiddenFill xmlns:a14="http://schemas.microsoft.com/office/drawing/2010/main">
-                <a:solidFill>
-                  <a:srgbClr val="FFFFFF"/>
-                </a:solidFill>
-              </a14:hiddenFill>
-            </a:ext>
-          </a:extLst>
-        </p:spPr>
+        <p:spPr/>
       </p:sp>
       <p:sp>
         <p:nvSpPr>
-          <p:cNvPr id="50179" name="Marcador de notas 2"/>
+          <p:cNvPr id="3" name="Notes Placeholder 2"/>
           <p:cNvSpPr>
             <a:spLocks noGrp="1"/>
           </p:cNvSpPr>
@@ -4669,49 +5482,19 @@
             <p:ph type="body" idx="1"/>
           </p:nvPr>
         </p:nvSpPr>
-        <p:spPr bwMode="auto">
-          <a:noFill/>
-          <a:extLst>
-            <a:ext uri="{909E8E84-426E-40DD-AFC4-6F175D3DCCD1}">
-              <a14:hiddenFill xmlns:a14="http://schemas.microsoft.com/office/drawing/2010/main">
-                <a:solidFill>
-                  <a:srgbClr val="FFFFFF"/>
-                </a:solidFill>
-              </a14:hiddenFill>
-            </a:ext>
-            <a:ext uri="{91240B29-F687-4F45-9708-019B960494DF}">
-              <a14:hiddenLine xmlns:a14="http://schemas.microsoft.com/office/drawing/2010/main" w="9525">
-                <a:solidFill>
-                  <a:srgbClr val="000000"/>
-                </a:solidFill>
-                <a:miter lim="800000"/>
-                <a:headEnd/>
-                <a:tailEnd/>
-              </a14:hiddenLine>
-            </a:ext>
-          </a:extLst>
-        </p:spPr>
+        <p:spPr/>
         <p:txBody>
-          <a:bodyPr wrap="square" numCol="1" anchor="t" anchorCtr="0" compatLnSpc="1">
-            <a:prstTxWarp prst="textNoShape">
-              <a:avLst/>
-            </a:prstTxWarp>
-          </a:bodyPr>
+          <a:bodyPr/>
           <a:lstStyle/>
           <a:p>
-            <a:pPr eaLnBrk="1" hangingPunct="1">
-              <a:spcBef>
-                <a:spcPct val="0"/>
-              </a:spcBef>
-            </a:pPr>
-            <a:endParaRPr lang="es-PE"/>
+            <a:endParaRPr lang="en-US" sz="1600" dirty="0"/>
           </a:p>
         </p:txBody>
       </p:sp>
     </p:spTree>
     <p:extLst>
       <p:ext uri="{BB962C8B-B14F-4D97-AF65-F5344CB8AC3E}">
-        <p14:creationId xmlns:p14="http://schemas.microsoft.com/office/powerpoint/2010/main" val="4089714215"/>
+        <p14:creationId xmlns:p14="http://schemas.microsoft.com/office/powerpoint/2010/main" val="423355656"/>
       </p:ext>
     </p:extLst>
   </p:cSld>
@@ -4852,7 +5635,7 @@
           <a:p>
             <a:fld id="{7551B607-F83C-43C7-86D4-BB251BE51D9B}" type="datetime1">
               <a:rPr lang="es-PE" smtClean="0"/>
-              <a:t>9/11/2021</a:t>
+              <a:t>15/11/2021</a:t>
             </a:fld>
             <a:endParaRPr lang="es-PE"/>
           </a:p>
@@ -5022,7 +5805,7 @@
           <a:p>
             <a:fld id="{7F68887E-45F5-476E-94D9-57AB8BDEE421}" type="datetime1">
               <a:rPr lang="es-PE" smtClean="0"/>
-              <a:t>9/11/2021</a:t>
+              <a:t>15/11/2021</a:t>
             </a:fld>
             <a:endParaRPr lang="es-PE"/>
           </a:p>
@@ -5202,7 +5985,7 @@
           <a:p>
             <a:fld id="{BD1F21E9-7DB1-4CA6-941B-EE6FCE37D7E3}" type="datetime1">
               <a:rPr lang="es-PE" smtClean="0"/>
-              <a:t>9/11/2021</a:t>
+              <a:t>15/11/2021</a:t>
             </a:fld>
             <a:endParaRPr lang="es-PE"/>
           </a:p>
@@ -5410,7 +6193,7 @@
           <a:p>
             <a:fld id="{7276D6DB-D449-490B-9D67-290887C2F62B}" type="datetimeFigureOut">
               <a:rPr lang="en-US" smtClean="0"/>
-              <a:t>11/9/2021</a:t>
+              <a:t>11/15/2021</a:t>
             </a:fld>
             <a:endParaRPr lang="en-US"/>
           </a:p>
@@ -5608,7 +6391,7 @@
           <a:p>
             <a:fld id="{7276D6DB-D449-490B-9D67-290887C2F62B}" type="datetimeFigureOut">
               <a:rPr lang="en-US" smtClean="0"/>
-              <a:t>11/9/2021</a:t>
+              <a:t>11/15/2021</a:t>
             </a:fld>
             <a:endParaRPr lang="en-US"/>
           </a:p>
@@ -5883,7 +6666,7 @@
           <a:p>
             <a:fld id="{7276D6DB-D449-490B-9D67-290887C2F62B}" type="datetimeFigureOut">
               <a:rPr lang="en-US" smtClean="0"/>
-              <a:t>11/9/2021</a:t>
+              <a:t>11/15/2021</a:t>
             </a:fld>
             <a:endParaRPr lang="en-US"/>
           </a:p>
@@ -6148,7 +6931,7 @@
           <a:p>
             <a:fld id="{7276D6DB-D449-490B-9D67-290887C2F62B}" type="datetimeFigureOut">
               <a:rPr lang="en-US" smtClean="0"/>
-              <a:t>11/9/2021</a:t>
+              <a:t>11/15/2021</a:t>
             </a:fld>
             <a:endParaRPr lang="en-US"/>
           </a:p>
@@ -6560,7 +7343,7 @@
           <a:p>
             <a:fld id="{7276D6DB-D449-490B-9D67-290887C2F62B}" type="datetimeFigureOut">
               <a:rPr lang="en-US" smtClean="0"/>
-              <a:t>11/9/2021</a:t>
+              <a:t>11/15/2021</a:t>
             </a:fld>
             <a:endParaRPr lang="en-US"/>
           </a:p>
@@ -6701,7 +7484,7 @@
           <a:p>
             <a:fld id="{7276D6DB-D449-490B-9D67-290887C2F62B}" type="datetimeFigureOut">
               <a:rPr lang="en-US" smtClean="0"/>
-              <a:t>11/9/2021</a:t>
+              <a:t>11/15/2021</a:t>
             </a:fld>
             <a:endParaRPr lang="en-US"/>
           </a:p>
@@ -6814,7 +7597,7 @@
           <a:p>
             <a:fld id="{7276D6DB-D449-490B-9D67-290887C2F62B}" type="datetimeFigureOut">
               <a:rPr lang="en-US" smtClean="0"/>
-              <a:t>11/9/2021</a:t>
+              <a:t>11/15/2021</a:t>
             </a:fld>
             <a:endParaRPr lang="en-US"/>
           </a:p>
@@ -7125,7 +7908,7 @@
           <a:p>
             <a:fld id="{7276D6DB-D449-490B-9D67-290887C2F62B}" type="datetimeFigureOut">
               <a:rPr lang="en-US" smtClean="0"/>
-              <a:t>11/9/2021</a:t>
+              <a:t>11/15/2021</a:t>
             </a:fld>
             <a:endParaRPr lang="en-US"/>
           </a:p>
@@ -7307,7 +8090,7 @@
           <a:p>
             <a:fld id="{C9CD4A50-E8DB-4A66-8F94-753948E45B60}" type="datetime1">
               <a:rPr lang="es-PE" smtClean="0"/>
-              <a:t>9/11/2021</a:t>
+              <a:t>15/11/2021</a:t>
             </a:fld>
             <a:endParaRPr lang="es-PE"/>
           </a:p>
@@ -7583,7 +8366,7 @@
           <a:p>
             <a:fld id="{7276D6DB-D449-490B-9D67-290887C2F62B}" type="datetimeFigureOut">
               <a:rPr lang="en-US" smtClean="0"/>
-              <a:t>11/9/2021</a:t>
+              <a:t>11/15/2021</a:t>
             </a:fld>
             <a:endParaRPr lang="en-US"/>
           </a:p>
@@ -7781,7 +8564,7 @@
           <a:p>
             <a:fld id="{7276D6DB-D449-490B-9D67-290887C2F62B}" type="datetimeFigureOut">
               <a:rPr lang="en-US" smtClean="0"/>
-              <a:t>11/9/2021</a:t>
+              <a:t>11/15/2021</a:t>
             </a:fld>
             <a:endParaRPr lang="en-US"/>
           </a:p>
@@ -7989,7 +8772,7 @@
           <a:p>
             <a:fld id="{7276D6DB-D449-490B-9D67-290887C2F62B}" type="datetimeFigureOut">
               <a:rPr lang="en-US" smtClean="0"/>
-              <a:t>11/9/2021</a:t>
+              <a:t>11/15/2021</a:t>
             </a:fld>
             <a:endParaRPr lang="en-US"/>
           </a:p>
@@ -8247,7 +9030,7 @@
           <a:p>
             <a:fld id="{6176F98D-B759-4DA7-89C7-02F3C6BC3597}" type="datetime1">
               <a:rPr lang="es-PE" smtClean="0"/>
-              <a:t>9/11/2021</a:t>
+              <a:t>15/11/2021</a:t>
             </a:fld>
             <a:endParaRPr lang="es-PE"/>
           </a:p>
@@ -8479,7 +9262,7 @@
           <a:p>
             <a:fld id="{DE7CC3BB-3A30-423E-B80C-2AF6242B8899}" type="datetime1">
               <a:rPr lang="es-PE" smtClean="0"/>
-              <a:t>9/11/2021</a:t>
+              <a:t>15/11/2021</a:t>
             </a:fld>
             <a:endParaRPr lang="es-PE"/>
           </a:p>
@@ -8846,7 +9629,7 @@
           <a:p>
             <a:fld id="{453D9C2A-E0FB-43F4-955B-CF396C6FE8F9}" type="datetime1">
               <a:rPr lang="es-PE" smtClean="0"/>
-              <a:t>9/11/2021</a:t>
+              <a:t>15/11/2021</a:t>
             </a:fld>
             <a:endParaRPr lang="es-PE"/>
           </a:p>
@@ -8964,7 +9747,7 @@
           <a:p>
             <a:fld id="{C6149508-3363-4594-BF7D-C1D5C74B1445}" type="datetime1">
               <a:rPr lang="es-PE" smtClean="0"/>
-              <a:t>9/11/2021</a:t>
+              <a:t>15/11/2021</a:t>
             </a:fld>
             <a:endParaRPr lang="es-PE"/>
           </a:p>
@@ -9059,7 +9842,7 @@
           <a:p>
             <a:fld id="{2C2F6D1B-48AE-4189-9EB3-EABE80908FD7}" type="datetime1">
               <a:rPr lang="es-PE" smtClean="0"/>
-              <a:t>9/11/2021</a:t>
+              <a:t>15/11/2021</a:t>
             </a:fld>
             <a:endParaRPr lang="es-PE"/>
           </a:p>
@@ -9336,7 +10119,7 @@
           <a:p>
             <a:fld id="{F89602C4-D80D-47FC-8E4B-85957AFB4391}" type="datetime1">
               <a:rPr lang="es-PE" smtClean="0"/>
-              <a:t>9/11/2021</a:t>
+              <a:t>15/11/2021</a:t>
             </a:fld>
             <a:endParaRPr lang="es-PE"/>
           </a:p>
@@ -9589,7 +10372,7 @@
           <a:p>
             <a:fld id="{B289877B-1BC3-422E-9D56-C134F10F6E48}" type="datetime1">
               <a:rPr lang="es-PE" smtClean="0"/>
-              <a:t>9/11/2021</a:t>
+              <a:t>15/11/2021</a:t>
             </a:fld>
             <a:endParaRPr lang="es-PE"/>
           </a:p>
@@ -9802,7 +10585,7 @@
           <a:p>
             <a:fld id="{B1BE4D05-3B08-421C-BA39-4D610F34872B}" type="datetime1">
               <a:rPr lang="es-PE" smtClean="0"/>
-              <a:t>9/11/2021</a:t>
+              <a:t>15/11/2021</a:t>
             </a:fld>
             <a:endParaRPr lang="es-PE"/>
           </a:p>
@@ -10359,7 +11142,7 @@
           <a:p>
             <a:fld id="{7276D6DB-D449-490B-9D67-290887C2F62B}" type="datetimeFigureOut">
               <a:rPr lang="en-US" smtClean="0"/>
-              <a:t>11/9/2021</a:t>
+              <a:t>11/15/2021</a:t>
             </a:fld>
             <a:endParaRPr lang="en-US"/>
           </a:p>
@@ -22699,7 +23482,7 @@
               <a:buNone/>
             </a:pPr>
             <a:r>
-              <a:rPr lang="es-ES_tradnl" sz="2400"/>
+              <a:rPr lang="es-ES_tradnl" sz="2400" dirty="0"/>
               <a:t>1.  Coma enumerativa:	_______________, ______, ______ , ______y ______.</a:t>
             </a:r>
           </a:p>
@@ -22715,8 +23498,24 @@
               <a:buNone/>
             </a:pPr>
             <a:r>
-              <a:rPr lang="es-ES_tradnl" sz="2400"/>
-              <a:t>2. Coma de expresión introductiva: 	xxxxxxxx, ______________________________.</a:t>
+              <a:rPr lang="es-ES_tradnl" sz="2400" dirty="0"/>
+              <a:t>2. Coma de expresión </a:t>
+            </a:r>
+            <a:r>
+              <a:rPr lang="es-ES_tradnl" sz="2400" dirty="0" err="1"/>
+              <a:t>introductiva</a:t>
+            </a:r>
+            <a:r>
+              <a:rPr lang="es-ES_tradnl" sz="2400" dirty="0"/>
+              <a:t>: 	</a:t>
+            </a:r>
+            <a:r>
+              <a:rPr lang="es-ES_tradnl" sz="2400" dirty="0" err="1"/>
+              <a:t>xxxxxxxx</a:t>
+            </a:r>
+            <a:r>
+              <a:rPr lang="es-ES_tradnl" sz="2400" dirty="0"/>
+              <a:t>, ______________________________.</a:t>
             </a:r>
           </a:p>
           <a:p>
@@ -22731,8 +23530,24 @@
               <a:buNone/>
             </a:pPr>
             <a:r>
-              <a:rPr lang="es-ES_tradnl" sz="2400"/>
-              <a:t>3. Coma de cláusula introductiva:       xxxxxxxxxxxxxxxxxxxxxx, __________________.</a:t>
+              <a:rPr lang="es-ES_tradnl" sz="2400" dirty="0"/>
+              <a:t>3. Coma de cláusula </a:t>
+            </a:r>
+            <a:r>
+              <a:rPr lang="es-ES_tradnl" sz="2400" dirty="0" err="1"/>
+              <a:t>introductiva</a:t>
+            </a:r>
+            <a:r>
+              <a:rPr lang="es-ES_tradnl" sz="2400" dirty="0"/>
+              <a:t>:       </a:t>
+            </a:r>
+            <a:r>
+              <a:rPr lang="es-ES_tradnl" sz="2400" dirty="0" err="1"/>
+              <a:t>xxxxxxxxxxxxxxxxxxxxxx</a:t>
+            </a:r>
+            <a:r>
+              <a:rPr lang="es-ES_tradnl" sz="2400" dirty="0"/>
+              <a:t>, __________________.</a:t>
             </a:r>
           </a:p>
           <a:p>
@@ -22747,8 +23562,16 @@
               <a:buNone/>
             </a:pPr>
             <a:r>
-              <a:rPr lang="es-ES_tradnl" sz="2400"/>
-              <a:t>4. Comas explicativas:	 	________________, xxxxxxxxxxxxxx, ______________.</a:t>
+              <a:rPr lang="es-ES_tradnl" sz="2400" dirty="0"/>
+              <a:t>4. Comas explicativas:	 	________________, </a:t>
+            </a:r>
+            <a:r>
+              <a:rPr lang="es-ES_tradnl" sz="2400" dirty="0" err="1"/>
+              <a:t>xxxxxxxxxxxxxx</a:t>
+            </a:r>
+            <a:r>
+              <a:rPr lang="es-ES_tradnl" sz="2400" dirty="0"/>
+              <a:t>, ______________.</a:t>
             </a:r>
           </a:p>
           <a:p>
@@ -22763,7 +23586,7 @@
               <a:buNone/>
             </a:pPr>
             <a:r>
-              <a:rPr lang="es-ES_tradnl" sz="2400"/>
+              <a:rPr lang="es-ES_tradnl" sz="2400" dirty="0"/>
               <a:t>5. Coma relacionadora:	 _______________, nexo simple _________________.</a:t>
             </a:r>
           </a:p>
@@ -22779,8 +23602,16 @@
               <a:buNone/>
             </a:pPr>
             <a:r>
-              <a:rPr lang="es-ES_tradnl" sz="2400"/>
-              <a:t>6. Coma de complemento adicional:        ______________________, xxxxxxxxxxxxxx.</a:t>
+              <a:rPr lang="es-ES_tradnl" sz="2400" dirty="0"/>
+              <a:t>6. Coma de complemento adicional:        ______________________, </a:t>
+            </a:r>
+            <a:r>
+              <a:rPr lang="es-ES_tradnl" sz="2400" dirty="0" err="1"/>
+              <a:t>xxxxxxxxxxxxxx</a:t>
+            </a:r>
+            <a:r>
+              <a:rPr lang="es-ES_tradnl" sz="2400" dirty="0"/>
+              <a:t>.</a:t>
             </a:r>
           </a:p>
           <a:p>
@@ -22795,7 +23626,7 @@
               <a:buNone/>
             </a:pPr>
             <a:r>
-              <a:rPr lang="es-ES_tradnl" sz="2400"/>
+              <a:rPr lang="es-ES_tradnl" sz="2400" dirty="0"/>
               <a:t>7. Coma elíptica:	 __________________ y _________,(verbo elíptico) _______.</a:t>
             </a:r>
           </a:p>
@@ -22808,8 +23639,16 @@
               <a:buNone/>
             </a:pPr>
             <a:r>
-              <a:rPr lang="es-ES_tradnl" sz="2400"/>
-              <a:t>8. Coma de vocativo:	 xxxxxxxx, _________________________________________.</a:t>
+              <a:rPr lang="es-ES_tradnl" sz="2400" dirty="0"/>
+              <a:t>8. Coma de vocativo:	 </a:t>
+            </a:r>
+            <a:r>
+              <a:rPr lang="es-ES_tradnl" sz="2400" dirty="0" err="1"/>
+              <a:t>xxxxxxxx</a:t>
+            </a:r>
+            <a:r>
+              <a:rPr lang="es-ES_tradnl" sz="2400" dirty="0"/>
+              <a:t>, _________________________________________.</a:t>
             </a:r>
           </a:p>
           <a:p>
@@ -22821,8 +23660,16 @@
               <a:buNone/>
             </a:pPr>
             <a:r>
-              <a:rPr lang="es-ES_tradnl" sz="2400"/>
-              <a:t>				 _____________________, xxxxxxx, ______________.</a:t>
+              <a:rPr lang="es-ES_tradnl" sz="2400" dirty="0"/>
+              <a:t>				 _____________________, </a:t>
+            </a:r>
+            <a:r>
+              <a:rPr lang="es-ES_tradnl" sz="2400" dirty="0" err="1"/>
+              <a:t>xxxxxxx</a:t>
+            </a:r>
+            <a:r>
+              <a:rPr lang="es-ES_tradnl" sz="2400" dirty="0"/>
+              <a:t>, ______________.</a:t>
             </a:r>
           </a:p>
           <a:p>
@@ -22834,8 +23681,16 @@
               <a:buNone/>
             </a:pPr>
             <a:r>
-              <a:rPr lang="es-ES_tradnl" sz="2400"/>
-              <a:t>				 ____________________________________, xxxxxxx.</a:t>
+              <a:rPr lang="es-ES_tradnl" sz="2400" dirty="0"/>
+              <a:t>				 ____________________________________, </a:t>
+            </a:r>
+            <a:r>
+              <a:rPr lang="es-ES_tradnl" sz="2400" dirty="0" err="1"/>
+              <a:t>xxxxxxx</a:t>
+            </a:r>
+            <a:r>
+              <a:rPr lang="es-ES_tradnl" sz="2400" dirty="0"/>
+              <a:t>.</a:t>
             </a:r>
           </a:p>
           <a:p>
@@ -22849,7 +23704,7 @@
               <a:buFont typeface="Arial" panose="020B0604020202020204" pitchFamily="34" charset="0"/>
               <a:buNone/>
             </a:pPr>
-            <a:endParaRPr lang="es-ES_tradnl" sz="2400"/>
+            <a:endParaRPr lang="es-ES_tradnl" sz="2400" dirty="0"/>
           </a:p>
           <a:p>
             <a:pPr marL="0" eaLnBrk="1" hangingPunct="1">
@@ -22862,7 +23717,7 @@
               <a:buFont typeface="Wingdings" panose="05000000000000000000" pitchFamily="2" charset="2"/>
               <a:buNone/>
             </a:pPr>
-            <a:endParaRPr lang="es-ES_tradnl" sz="2400"/>
+            <a:endParaRPr lang="es-ES_tradnl" sz="2400" dirty="0"/>
           </a:p>
         </p:txBody>
       </p:sp>
